--- a/_Projeto-Estagio_/Projeto/Documentação/HLD E LLD.pptx
+++ b/_Projeto-Estagio_/Projeto/Documentação/HLD E LLD.pptx
@@ -244,7 +244,7 @@
           <a:p>
             <a:fld id="{E16FEE4E-8950-4823-AD80-A17FC1B4033A}" type="datetimeFigureOut">
               <a:rPr lang="pt-BR" smtClean="0"/>
-              <a:t>15/09/2020</a:t>
+              <a:t>18/09/2020</a:t>
             </a:fld>
             <a:endParaRPr lang="pt-BR"/>
           </a:p>
@@ -414,7 +414,7 @@
           <a:p>
             <a:fld id="{E16FEE4E-8950-4823-AD80-A17FC1B4033A}" type="datetimeFigureOut">
               <a:rPr lang="pt-BR" smtClean="0"/>
-              <a:t>15/09/2020</a:t>
+              <a:t>18/09/2020</a:t>
             </a:fld>
             <a:endParaRPr lang="pt-BR"/>
           </a:p>
@@ -594,7 +594,7 @@
           <a:p>
             <a:fld id="{E16FEE4E-8950-4823-AD80-A17FC1B4033A}" type="datetimeFigureOut">
               <a:rPr lang="pt-BR" smtClean="0"/>
-              <a:t>15/09/2020</a:t>
+              <a:t>18/09/2020</a:t>
             </a:fld>
             <a:endParaRPr lang="pt-BR"/>
           </a:p>
@@ -764,7 +764,7 @@
           <a:p>
             <a:fld id="{E16FEE4E-8950-4823-AD80-A17FC1B4033A}" type="datetimeFigureOut">
               <a:rPr lang="pt-BR" smtClean="0"/>
-              <a:t>15/09/2020</a:t>
+              <a:t>18/09/2020</a:t>
             </a:fld>
             <a:endParaRPr lang="pt-BR"/>
           </a:p>
@@ -1010,7 +1010,7 @@
           <a:p>
             <a:fld id="{E16FEE4E-8950-4823-AD80-A17FC1B4033A}" type="datetimeFigureOut">
               <a:rPr lang="pt-BR" smtClean="0"/>
-              <a:t>15/09/2020</a:t>
+              <a:t>18/09/2020</a:t>
             </a:fld>
             <a:endParaRPr lang="pt-BR"/>
           </a:p>
@@ -1242,7 +1242,7 @@
           <a:p>
             <a:fld id="{E16FEE4E-8950-4823-AD80-A17FC1B4033A}" type="datetimeFigureOut">
               <a:rPr lang="pt-BR" smtClean="0"/>
-              <a:t>15/09/2020</a:t>
+              <a:t>18/09/2020</a:t>
             </a:fld>
             <a:endParaRPr lang="pt-BR"/>
           </a:p>
@@ -1609,7 +1609,7 @@
           <a:p>
             <a:fld id="{E16FEE4E-8950-4823-AD80-A17FC1B4033A}" type="datetimeFigureOut">
               <a:rPr lang="pt-BR" smtClean="0"/>
-              <a:t>15/09/2020</a:t>
+              <a:t>18/09/2020</a:t>
             </a:fld>
             <a:endParaRPr lang="pt-BR"/>
           </a:p>
@@ -1727,7 +1727,7 @@
           <a:p>
             <a:fld id="{E16FEE4E-8950-4823-AD80-A17FC1B4033A}" type="datetimeFigureOut">
               <a:rPr lang="pt-BR" smtClean="0"/>
-              <a:t>15/09/2020</a:t>
+              <a:t>18/09/2020</a:t>
             </a:fld>
             <a:endParaRPr lang="pt-BR"/>
           </a:p>
@@ -1822,7 +1822,7 @@
           <a:p>
             <a:fld id="{E16FEE4E-8950-4823-AD80-A17FC1B4033A}" type="datetimeFigureOut">
               <a:rPr lang="pt-BR" smtClean="0"/>
-              <a:t>15/09/2020</a:t>
+              <a:t>18/09/2020</a:t>
             </a:fld>
             <a:endParaRPr lang="pt-BR"/>
           </a:p>
@@ -2099,7 +2099,7 @@
           <a:p>
             <a:fld id="{E16FEE4E-8950-4823-AD80-A17FC1B4033A}" type="datetimeFigureOut">
               <a:rPr lang="pt-BR" smtClean="0"/>
-              <a:t>15/09/2020</a:t>
+              <a:t>18/09/2020</a:t>
             </a:fld>
             <a:endParaRPr lang="pt-BR"/>
           </a:p>
@@ -2352,7 +2352,7 @@
           <a:p>
             <a:fld id="{E16FEE4E-8950-4823-AD80-A17FC1B4033A}" type="datetimeFigureOut">
               <a:rPr lang="pt-BR" smtClean="0"/>
-              <a:t>15/09/2020</a:t>
+              <a:t>18/09/2020</a:t>
             </a:fld>
             <a:endParaRPr lang="pt-BR"/>
           </a:p>
@@ -2565,7 +2565,7 @@
           <a:p>
             <a:fld id="{E16FEE4E-8950-4823-AD80-A17FC1B4033A}" type="datetimeFigureOut">
               <a:rPr lang="pt-BR" smtClean="0"/>
-              <a:t>15/09/2020</a:t>
+              <a:t>18/09/2020</a:t>
             </a:fld>
             <a:endParaRPr lang="pt-BR"/>
           </a:p>
@@ -3966,10 +3966,6 @@
               </a:rPr>
               <a:t>core i3+ 4GB RAM com conexão a internet</a:t>
             </a:r>
-            <a:endParaRPr lang="pt-BR" sz="1600" dirty="0">
-              <a:latin typeface="Times New Roman" panose="02020603050405020304" pitchFamily="18" charset="0"/>
-              <a:cs typeface="Times New Roman" panose="02020603050405020304" pitchFamily="18" charset="0"/>
-            </a:endParaRPr>
           </a:p>
         </p:txBody>
       </p:sp>
@@ -4401,14 +4397,14 @@
           <a:p>
             <a:pPr algn="ctr"/>
             <a:r>
-              <a:rPr lang="pt-BR" sz="1800" dirty="0" err="1">
+              <a:rPr lang="pt-BR" sz="1800" u="sng" dirty="0" smtClean="0">
                 <a:latin typeface="Times New Roman" panose="02020603050405020304" pitchFamily="18" charset="0"/>
                 <a:cs typeface="Times New Roman" panose="02020603050405020304" pitchFamily="18" charset="0"/>
               </a:rPr>
-              <a:t>Servirdor</a:t>
-            </a:r>
-            <a:r>
-              <a:rPr lang="pt-BR" sz="1800" dirty="0">
+              <a:t>Servidor</a:t>
+            </a:r>
+            <a:r>
+              <a:rPr lang="pt-BR" sz="1800" dirty="0" smtClean="0">
                 <a:latin typeface="Times New Roman" panose="02020603050405020304" pitchFamily="18" charset="0"/>
                 <a:cs typeface="Times New Roman" panose="02020603050405020304" pitchFamily="18" charset="0"/>
               </a:rPr>
